--- a/W2 Assignment/Problem Solving ppt.pptx
+++ b/W2 Assignment/Problem Solving ppt.pptx
@@ -240,7 +240,7 @@
           <a:p>
             <a:fld id="{BE0E05F9-B2CA-439B-8EFD-90F64485631B}" type="datetimeFigureOut">
               <a:rPr lang="ko-KR" altLang="en-US" smtClean="0"/>
-              <a:t>2018-09-17</a:t>
+              <a:t>2018-09-27</a:t>
             </a:fld>
             <a:endParaRPr lang="ko-KR" altLang="en-US"/>
           </a:p>
@@ -2724,7 +2724,7 @@
           <a:p>
             <a:fld id="{72FC2849-A083-443C-980D-B9A1D458CE60}" type="datetimeFigureOut">
               <a:rPr lang="ko-KR" altLang="en-US" smtClean="0"/>
-              <a:t>2018-09-17</a:t>
+              <a:t>2018-09-27</a:t>
             </a:fld>
             <a:endParaRPr lang="ko-KR" altLang="en-US"/>
           </a:p>
@@ -2892,7 +2892,7 @@
           <a:p>
             <a:fld id="{72FC2849-A083-443C-980D-B9A1D458CE60}" type="datetimeFigureOut">
               <a:rPr lang="ko-KR" altLang="en-US" smtClean="0"/>
-              <a:t>2018-09-17</a:t>
+              <a:t>2018-09-27</a:t>
             </a:fld>
             <a:endParaRPr lang="ko-KR" altLang="en-US"/>
           </a:p>
@@ -3070,7 +3070,7 @@
           <a:p>
             <a:fld id="{72FC2849-A083-443C-980D-B9A1D458CE60}" type="datetimeFigureOut">
               <a:rPr lang="ko-KR" altLang="en-US" smtClean="0"/>
-              <a:t>2018-09-17</a:t>
+              <a:t>2018-09-27</a:t>
             </a:fld>
             <a:endParaRPr lang="ko-KR" altLang="en-US"/>
           </a:p>
@@ -3238,7 +3238,7 @@
           <a:p>
             <a:fld id="{72FC2849-A083-443C-980D-B9A1D458CE60}" type="datetimeFigureOut">
               <a:rPr lang="ko-KR" altLang="en-US" smtClean="0"/>
-              <a:t>2018-09-17</a:t>
+              <a:t>2018-09-27</a:t>
             </a:fld>
             <a:endParaRPr lang="ko-KR" altLang="en-US"/>
           </a:p>
@@ -3483,7 +3483,7 @@
           <a:p>
             <a:fld id="{72FC2849-A083-443C-980D-B9A1D458CE60}" type="datetimeFigureOut">
               <a:rPr lang="ko-KR" altLang="en-US" smtClean="0"/>
-              <a:t>2018-09-17</a:t>
+              <a:t>2018-09-27</a:t>
             </a:fld>
             <a:endParaRPr lang="ko-KR" altLang="en-US"/>
           </a:p>
@@ -3768,7 +3768,7 @@
           <a:p>
             <a:fld id="{72FC2849-A083-443C-980D-B9A1D458CE60}" type="datetimeFigureOut">
               <a:rPr lang="ko-KR" altLang="en-US" smtClean="0"/>
-              <a:t>2018-09-17</a:t>
+              <a:t>2018-09-27</a:t>
             </a:fld>
             <a:endParaRPr lang="ko-KR" altLang="en-US"/>
           </a:p>
@@ -4187,7 +4187,7 @@
           <a:p>
             <a:fld id="{72FC2849-A083-443C-980D-B9A1D458CE60}" type="datetimeFigureOut">
               <a:rPr lang="ko-KR" altLang="en-US" smtClean="0"/>
-              <a:t>2018-09-17</a:t>
+              <a:t>2018-09-27</a:t>
             </a:fld>
             <a:endParaRPr lang="ko-KR" altLang="en-US"/>
           </a:p>
@@ -4304,7 +4304,7 @@
           <a:p>
             <a:fld id="{72FC2849-A083-443C-980D-B9A1D458CE60}" type="datetimeFigureOut">
               <a:rPr lang="ko-KR" altLang="en-US" smtClean="0"/>
-              <a:t>2018-09-17</a:t>
+              <a:t>2018-09-27</a:t>
             </a:fld>
             <a:endParaRPr lang="ko-KR" altLang="en-US"/>
           </a:p>
@@ -4399,7 +4399,7 @@
           <a:p>
             <a:fld id="{72FC2849-A083-443C-980D-B9A1D458CE60}" type="datetimeFigureOut">
               <a:rPr lang="ko-KR" altLang="en-US" smtClean="0"/>
-              <a:t>2018-09-17</a:t>
+              <a:t>2018-09-27</a:t>
             </a:fld>
             <a:endParaRPr lang="ko-KR" altLang="en-US"/>
           </a:p>
@@ -4674,7 +4674,7 @@
           <a:p>
             <a:fld id="{72FC2849-A083-443C-980D-B9A1D458CE60}" type="datetimeFigureOut">
               <a:rPr lang="ko-KR" altLang="en-US" smtClean="0"/>
-              <a:t>2018-09-17</a:t>
+              <a:t>2018-09-27</a:t>
             </a:fld>
             <a:endParaRPr lang="ko-KR" altLang="en-US"/>
           </a:p>
@@ -4926,7 +4926,7 @@
           <a:p>
             <a:fld id="{72FC2849-A083-443C-980D-B9A1D458CE60}" type="datetimeFigureOut">
               <a:rPr lang="ko-KR" altLang="en-US" smtClean="0"/>
-              <a:t>2018-09-17</a:t>
+              <a:t>2018-09-27</a:t>
             </a:fld>
             <a:endParaRPr lang="ko-KR" altLang="en-US"/>
           </a:p>
@@ -5137,7 +5137,7 @@
           <a:p>
             <a:fld id="{72FC2849-A083-443C-980D-B9A1D458CE60}" type="datetimeFigureOut">
               <a:rPr lang="ko-KR" altLang="en-US" smtClean="0"/>
-              <a:t>2018-09-17</a:t>
+              <a:t>2018-09-27</a:t>
             </a:fld>
             <a:endParaRPr lang="ko-KR" altLang="en-US"/>
           </a:p>
@@ -8738,7 +8738,7 @@
         </p:blipFill>
         <p:spPr>
           <a:xfrm>
-            <a:off x="7481371" y="1235469"/>
+            <a:off x="6493669" y="1232996"/>
             <a:ext cx="291600" cy="291600"/>
           </a:xfrm>
           <a:prstGeom prst="rect">
@@ -8777,7 +8777,7 @@
         </p:blipFill>
         <p:spPr>
           <a:xfrm>
-            <a:off x="6841386" y="1227283"/>
+            <a:off x="6838938" y="1234137"/>
             <a:ext cx="291600" cy="291600"/>
           </a:xfrm>
           <a:prstGeom prst="rect">
@@ -8787,10 +8787,10 @@
       </p:pic>
       <p:pic>
         <p:nvPicPr>
-          <p:cNvPr id="78" name="그래픽 77" descr="뒤로">
+          <p:cNvPr id="80" name="그래픽 79" descr="일시 정지">
             <a:extLst>
               <a:ext uri="{FF2B5EF4-FFF2-40B4-BE49-F238E27FC236}">
-                <a16:creationId xmlns:a16="http://schemas.microsoft.com/office/drawing/2014/main" id="{A9209358-4A36-4AD9-87C7-286387605000}"/>
+                <a16:creationId xmlns:a16="http://schemas.microsoft.com/office/drawing/2014/main" id="{07A63D80-BA5F-41BB-8BFC-B8DA35737355}"/>
               </a:ext>
             </a:extLst>
           </p:cNvPr>
@@ -8816,45 +8816,6 @@
         </p:blipFill>
         <p:spPr>
           <a:xfrm>
-            <a:off x="6497243" y="1216361"/>
-            <a:ext cx="291600" cy="291600"/>
-          </a:xfrm>
-          <a:prstGeom prst="rect">
-            <a:avLst/>
-          </a:prstGeom>
-        </p:spPr>
-      </p:pic>
-      <p:pic>
-        <p:nvPicPr>
-          <p:cNvPr id="80" name="그래픽 79" descr="일시 정지">
-            <a:extLst>
-              <a:ext uri="{FF2B5EF4-FFF2-40B4-BE49-F238E27FC236}">
-                <a16:creationId xmlns:a16="http://schemas.microsoft.com/office/drawing/2014/main" id="{07A63D80-BA5F-41BB-8BFC-B8DA35737355}"/>
-              </a:ext>
-            </a:extLst>
-          </p:cNvPr>
-          <p:cNvPicPr>
-            <a:picLocks noChangeAspect="1"/>
-          </p:cNvPicPr>
-          <p:nvPr/>
-        </p:nvPicPr>
-        <p:blipFill>
-          <a:blip r:embed="rId15" cstate="print">
-            <a:extLst>
-              <a:ext uri="{28A0092B-C50C-407E-A947-70E740481C1C}">
-                <a14:useLocalDpi xmlns:a14="http://schemas.microsoft.com/office/drawing/2010/main" val="0"/>
-              </a:ext>
-              <a:ext uri="{96DAC541-7B7A-43D3-8B79-37D633B846F1}">
-                <asvg:svgBlip xmlns:asvg="http://schemas.microsoft.com/office/drawing/2016/SVG/main" r:embed="rId16"/>
-              </a:ext>
-            </a:extLst>
-          </a:blip>
-          <a:stretch>
-            <a:fillRect/>
-          </a:stretch>
-        </p:blipFill>
-        <p:spPr>
-          <a:xfrm>
             <a:off x="7164288" y="1227283"/>
             <a:ext cx="291600" cy="291600"/>
           </a:xfrm>
@@ -9433,8 +9394,8 @@
         </p:nvSpPr>
         <p:spPr>
           <a:xfrm>
-            <a:off x="5921297" y="2411054"/>
-            <a:ext cx="699030" cy="438855"/>
+            <a:off x="5875938" y="2421710"/>
+            <a:ext cx="871364" cy="261610"/>
           </a:xfrm>
           <a:prstGeom prst="rect">
             <a:avLst/>
@@ -9450,7 +9411,7 @@
             <a:pPr algn="ctr"/>
             <a:r>
               <a:rPr lang="en-US" altLang="ko-KR" sz="1100" b="1" dirty="0"/>
-              <a:t>Rewind Boost</a:t>
+              <a:t>Backward</a:t>
             </a:r>
             <a:endParaRPr lang="ko-KR" altLang="en-US" sz="1100" b="1" dirty="0"/>
           </a:p>
@@ -9470,8 +9431,8 @@
         </p:nvSpPr>
         <p:spPr>
           <a:xfrm>
-            <a:off x="6353259" y="2038564"/>
-            <a:ext cx="699030" cy="261610"/>
+            <a:off x="7270804" y="2278780"/>
+            <a:ext cx="842804" cy="261610"/>
           </a:xfrm>
           <a:prstGeom prst="rect">
             <a:avLst/>
@@ -9484,9 +9445,10 @@
           </a:bodyPr>
           <a:lstStyle/>
           <a:p>
+            <a:pPr algn="ctr"/>
             <a:r>
               <a:rPr lang="en-US" altLang="ko-KR" sz="1100" b="1" dirty="0"/>
-              <a:t>Rewind</a:t>
+              <a:t>Boost</a:t>
             </a:r>
             <a:endParaRPr lang="ko-KR" altLang="en-US" sz="1100" b="1" dirty="0"/>
           </a:p>
@@ -9506,7 +9468,7 @@
         </p:nvSpPr>
         <p:spPr>
           <a:xfrm>
-            <a:off x="6643042" y="2436101"/>
+            <a:off x="6662769" y="2351768"/>
             <a:ext cx="579567" cy="264263"/>
           </a:xfrm>
           <a:prstGeom prst="rect">
@@ -9579,8 +9541,8 @@
         </p:nvSpPr>
         <p:spPr>
           <a:xfrm>
-            <a:off x="7337387" y="2450938"/>
-            <a:ext cx="579567" cy="264263"/>
+            <a:off x="6267585" y="2122740"/>
+            <a:ext cx="752106" cy="261610"/>
           </a:xfrm>
           <a:prstGeom prst="rect">
             <a:avLst/>
@@ -9595,7 +9557,7 @@
           <a:p>
             <a:r>
               <a:rPr lang="en-US" altLang="ko-KR" sz="1100" b="1" dirty="0"/>
-              <a:t>Boost</a:t>
+              <a:t>Forward</a:t>
             </a:r>
             <a:endParaRPr lang="ko-KR" altLang="en-US" sz="1100" b="1" dirty="0"/>
           </a:p>
@@ -9658,9 +9620,9 @@
           <p:nvPr/>
         </p:nvCxnSpPr>
         <p:spPr>
-          <a:xfrm flipV="1">
-            <a:off x="6270812" y="1564257"/>
-            <a:ext cx="31132" cy="846797"/>
+          <a:xfrm flipH="1" flipV="1">
+            <a:off x="6256586" y="1574914"/>
+            <a:ext cx="55034" cy="846796"/>
           </a:xfrm>
           <a:prstGeom prst="straightConnector1">
             <a:avLst/>
@@ -9695,13 +9657,14 @@
           </p:cNvPr>
           <p:cNvCxnSpPr>
             <a:cxnSpLocks/>
+            <a:stCxn id="141" idx="0"/>
           </p:cNvCxnSpPr>
           <p:nvPr/>
         </p:nvCxnSpPr>
         <p:spPr>
           <a:xfrm flipH="1" flipV="1">
-            <a:off x="6681865" y="1553335"/>
-            <a:ext cx="31131" cy="472078"/>
+            <a:off x="7676642" y="1572636"/>
+            <a:ext cx="15564" cy="706144"/>
           </a:xfrm>
           <a:prstGeom prst="straightConnector1">
             <a:avLst/>
@@ -9741,9 +9704,9 @@
           <p:nvPr/>
         </p:nvCxnSpPr>
         <p:spPr>
-          <a:xfrm flipV="1">
-            <a:off x="6932826" y="1595207"/>
-            <a:ext cx="5031" cy="840894"/>
+          <a:xfrm flipH="1" flipV="1">
+            <a:off x="6935411" y="1602062"/>
+            <a:ext cx="17142" cy="749706"/>
           </a:xfrm>
           <a:prstGeom prst="straightConnector1">
             <a:avLst/>
@@ -9826,8 +9789,8 @@
         </p:nvCxnSpPr>
         <p:spPr>
           <a:xfrm flipH="1" flipV="1">
-            <a:off x="7596040" y="1603393"/>
-            <a:ext cx="31131" cy="847545"/>
+            <a:off x="6577501" y="1595207"/>
+            <a:ext cx="66137" cy="527533"/>
           </a:xfrm>
           <a:prstGeom prst="straightConnector1">
             <a:avLst/>
@@ -11023,6 +10986,45 @@
           </a:p>
         </p:txBody>
       </p:sp>
+      <p:pic>
+        <p:nvPicPr>
+          <p:cNvPr id="31" name="그래픽 30" descr="꺼내기">
+            <a:extLst>
+              <a:ext uri="{FF2B5EF4-FFF2-40B4-BE49-F238E27FC236}">
+                <a16:creationId xmlns:a16="http://schemas.microsoft.com/office/drawing/2014/main" id="{DA3DAF05-1C6A-418E-9BE6-F102B5C531D2}"/>
+              </a:ext>
+            </a:extLst>
+          </p:cNvPr>
+          <p:cNvPicPr>
+            <a:picLocks noChangeAspect="1"/>
+          </p:cNvPicPr>
+          <p:nvPr/>
+        </p:nvPicPr>
+        <p:blipFill>
+          <a:blip r:embed="rId15" cstate="print">
+            <a:extLst>
+              <a:ext uri="{28A0092B-C50C-407E-A947-70E740481C1C}">
+                <a14:useLocalDpi xmlns:a14="http://schemas.microsoft.com/office/drawing/2010/main" val="0"/>
+              </a:ext>
+              <a:ext uri="{96DAC541-7B7A-43D3-8B79-37D633B846F1}">
+                <asvg:svgBlip xmlns:asvg="http://schemas.microsoft.com/office/drawing/2016/SVG/main" r:embed="rId16"/>
+              </a:ext>
+            </a:extLst>
+          </a:blip>
+          <a:stretch>
+            <a:fillRect/>
+          </a:stretch>
+        </p:blipFill>
+        <p:spPr>
+          <a:xfrm>
+            <a:off x="7524776" y="1211634"/>
+            <a:ext cx="307249" cy="307249"/>
+          </a:xfrm>
+          <a:prstGeom prst="rect">
+            <a:avLst/>
+          </a:prstGeom>
+        </p:spPr>
+      </p:pic>
     </p:spTree>
     <p:extLst>
       <p:ext uri="{BB962C8B-B14F-4D97-AF65-F5344CB8AC3E}">
